--- a/PhanLoaiTechArticle.pptx
+++ b/PhanLoaiTechArticle.pptx
@@ -4067,7 +4067,15 @@
             </a:pPr>
             <a:r>
               <a:rPr lang="en-VN" sz="1400" dirty="0"/>
-              <a:t>InteliJ vs SpringSuite. IDEnào tốt nhất cho Spring</a:t>
+              <a:t>InteliJ vs SpringSuite. </a:t>
+            </a:r>
+            <a:r>
+              <a:rPr lang="en-VN" sz="1400"/>
+              <a:t>IDE nào </a:t>
+            </a:r>
+            <a:r>
+              <a:rPr lang="en-VN" sz="1400" dirty="0"/>
+              <a:t>tốt nhất cho Spring</a:t>
             </a:r>
           </a:p>
           <a:p>
